--- a/graphics/Presentation1.pptx
+++ b/graphics/Presentation1.pptx
@@ -107,6 +107,11 @@
       </a:defRPr>
     </a:lvl9pPr>
   </p:defaultTextStyle>
+  <p:extLst>
+    <p:ext uri="{EFAFB233-063F-42B5-8137-9DF3F51BA10A}">
+      <p15:sldGuideLst xmlns:p15="http://schemas.microsoft.com/office/powerpoint/2012/main"/>
+    </p:ext>
+  </p:extLst>
 </p:presentation>
 </file>
 
@@ -296,7 +301,7 @@
           <a:p>
             <a:fld id="{A4044797-163F-404F-9B76-5A77F8B2CD8B}" type="datetimeFigureOut">
               <a:rPr lang="en-IN" smtClean="0"/>
-              <a:t>22-11-2019</a:t>
+              <a:t>26-11-2019</a:t>
             </a:fld>
             <a:endParaRPr lang="en-IN"/>
           </a:p>
@@ -571,7 +576,7 @@
           <a:p>
             <a:fld id="{A4044797-163F-404F-9B76-5A77F8B2CD8B}" type="datetimeFigureOut">
               <a:rPr lang="en-IN" smtClean="0"/>
-              <a:t>22-11-2019</a:t>
+              <a:t>26-11-2019</a:t>
             </a:fld>
             <a:endParaRPr lang="en-IN"/>
           </a:p>
@@ -765,7 +770,7 @@
           <a:p>
             <a:fld id="{A4044797-163F-404F-9B76-5A77F8B2CD8B}" type="datetimeFigureOut">
               <a:rPr lang="en-IN" smtClean="0"/>
-              <a:t>22-11-2019</a:t>
+              <a:t>26-11-2019</a:t>
             </a:fld>
             <a:endParaRPr lang="en-IN"/>
           </a:p>
@@ -1038,7 +1043,7 @@
           <a:p>
             <a:fld id="{A4044797-163F-404F-9B76-5A77F8B2CD8B}" type="datetimeFigureOut">
               <a:rPr lang="en-IN" smtClean="0"/>
-              <a:t>22-11-2019</a:t>
+              <a:t>26-11-2019</a:t>
             </a:fld>
             <a:endParaRPr lang="en-IN"/>
           </a:p>
@@ -1379,7 +1384,7 @@
           <a:p>
             <a:fld id="{A4044797-163F-404F-9B76-5A77F8B2CD8B}" type="datetimeFigureOut">
               <a:rPr lang="en-IN" smtClean="0"/>
-              <a:t>22-11-2019</a:t>
+              <a:t>26-11-2019</a:t>
             </a:fld>
             <a:endParaRPr lang="en-IN"/>
           </a:p>
@@ -2002,7 +2007,7 @@
           <a:p>
             <a:fld id="{A4044797-163F-404F-9B76-5A77F8B2CD8B}" type="datetimeFigureOut">
               <a:rPr lang="en-IN" smtClean="0"/>
-              <a:t>22-11-2019</a:t>
+              <a:t>26-11-2019</a:t>
             </a:fld>
             <a:endParaRPr lang="en-IN"/>
           </a:p>
@@ -2862,7 +2867,7 @@
           <a:p>
             <a:fld id="{A4044797-163F-404F-9B76-5A77F8B2CD8B}" type="datetimeFigureOut">
               <a:rPr lang="en-IN" smtClean="0"/>
-              <a:t>22-11-2019</a:t>
+              <a:t>26-11-2019</a:t>
             </a:fld>
             <a:endParaRPr lang="en-IN"/>
           </a:p>
@@ -3032,7 +3037,7 @@
           <a:p>
             <a:fld id="{A4044797-163F-404F-9B76-5A77F8B2CD8B}" type="datetimeFigureOut">
               <a:rPr lang="en-IN" smtClean="0"/>
-              <a:t>22-11-2019</a:t>
+              <a:t>26-11-2019</a:t>
             </a:fld>
             <a:endParaRPr lang="en-IN"/>
           </a:p>
@@ -3212,7 +3217,7 @@
           <a:p>
             <a:fld id="{A4044797-163F-404F-9B76-5A77F8B2CD8B}" type="datetimeFigureOut">
               <a:rPr lang="en-IN" smtClean="0"/>
-              <a:t>22-11-2019</a:t>
+              <a:t>26-11-2019</a:t>
             </a:fld>
             <a:endParaRPr lang="en-IN"/>
           </a:p>
@@ -3382,7 +3387,7 @@
           <a:p>
             <a:fld id="{A4044797-163F-404F-9B76-5A77F8B2CD8B}" type="datetimeFigureOut">
               <a:rPr lang="en-IN" smtClean="0"/>
-              <a:t>22-11-2019</a:t>
+              <a:t>26-11-2019</a:t>
             </a:fld>
             <a:endParaRPr lang="en-IN"/>
           </a:p>
@@ -3629,7 +3634,7 @@
           <a:p>
             <a:fld id="{A4044797-163F-404F-9B76-5A77F8B2CD8B}" type="datetimeFigureOut">
               <a:rPr lang="en-IN" smtClean="0"/>
-              <a:t>22-11-2019</a:t>
+              <a:t>26-11-2019</a:t>
             </a:fld>
             <a:endParaRPr lang="en-IN"/>
           </a:p>
@@ -3921,7 +3926,7 @@
           <a:p>
             <a:fld id="{A4044797-163F-404F-9B76-5A77F8B2CD8B}" type="datetimeFigureOut">
               <a:rPr lang="en-IN" smtClean="0"/>
-              <a:t>22-11-2019</a:t>
+              <a:t>26-11-2019</a:t>
             </a:fld>
             <a:endParaRPr lang="en-IN"/>
           </a:p>
@@ -4365,7 +4370,7 @@
           <a:p>
             <a:fld id="{A4044797-163F-404F-9B76-5A77F8B2CD8B}" type="datetimeFigureOut">
               <a:rPr lang="en-IN" smtClean="0"/>
-              <a:t>22-11-2019</a:t>
+              <a:t>26-11-2019</a:t>
             </a:fld>
             <a:endParaRPr lang="en-IN"/>
           </a:p>
@@ -4483,7 +4488,7 @@
           <a:p>
             <a:fld id="{A4044797-163F-404F-9B76-5A77F8B2CD8B}" type="datetimeFigureOut">
               <a:rPr lang="en-IN" smtClean="0"/>
-              <a:t>22-11-2019</a:t>
+              <a:t>26-11-2019</a:t>
             </a:fld>
             <a:endParaRPr lang="en-IN"/>
           </a:p>
@@ -4578,7 +4583,7 @@
           <a:p>
             <a:fld id="{A4044797-163F-404F-9B76-5A77F8B2CD8B}" type="datetimeFigureOut">
               <a:rPr lang="en-IN" smtClean="0"/>
-              <a:t>22-11-2019</a:t>
+              <a:t>26-11-2019</a:t>
             </a:fld>
             <a:endParaRPr lang="en-IN"/>
           </a:p>
@@ -4857,7 +4862,7 @@
           <a:p>
             <a:fld id="{A4044797-163F-404F-9B76-5A77F8B2CD8B}" type="datetimeFigureOut">
               <a:rPr lang="en-IN" smtClean="0"/>
-              <a:t>22-11-2019</a:t>
+              <a:t>26-11-2019</a:t>
             </a:fld>
             <a:endParaRPr lang="en-IN"/>
           </a:p>
@@ -5132,7 +5137,7 @@
           <a:p>
             <a:fld id="{A4044797-163F-404F-9B76-5A77F8B2CD8B}" type="datetimeFigureOut">
               <a:rPr lang="en-IN" smtClean="0"/>
-              <a:t>22-11-2019</a:t>
+              <a:t>26-11-2019</a:t>
             </a:fld>
             <a:endParaRPr lang="en-IN"/>
           </a:p>
@@ -5561,7 +5566,7 @@
           <a:p>
             <a:fld id="{A4044797-163F-404F-9B76-5A77F8B2CD8B}" type="datetimeFigureOut">
               <a:rPr lang="en-IN" smtClean="0"/>
-              <a:t>22-11-2019</a:t>
+              <a:t>26-11-2019</a:t>
             </a:fld>
             <a:endParaRPr lang="en-IN"/>
           </a:p>
@@ -6714,11 +6719,11 @@
   <p:clrMapOvr>
     <a:masterClrMapping/>
   </p:clrMapOvr>
-  <mc:AlternateContent xmlns:mc="http://schemas.openxmlformats.org/markup-compatibility/2006">
-    <mc:Choice xmlns:p14="http://schemas.microsoft.com/office/powerpoint/2010/main" Requires="p14">
+  <mc:AlternateContent xmlns:mc="http://schemas.openxmlformats.org/markup-compatibility/2006" xmlns:p14="http://schemas.microsoft.com/office/powerpoint/2010/main">
+    <mc:Choice Requires="p14">
       <p:transition p14:dur="10"/>
     </mc:Choice>
-    <mc:Fallback>
+    <mc:Fallback xmlns="">
       <p:transition/>
     </mc:Fallback>
   </mc:AlternateContent>
@@ -6749,174 +6754,6 @@
           <a:chExt cx="0" cy="0"/>
         </a:xfrm>
       </p:grpSpPr>
-      <p:pic>
-        <p:nvPicPr>
-          <p:cNvPr id="22" name="Picture 21"/>
-          <p:cNvPicPr>
-            <a:picLocks noChangeAspect="1"/>
-          </p:cNvPicPr>
-          <p:nvPr/>
-        </p:nvPicPr>
-        <p:blipFill rotWithShape="1">
-          <a:blip r:embed="rId2">
-            <a:extLst>
-              <a:ext uri="{BEBA8EAE-BF5A-486C-A8C5-ECC9F3942E4B}">
-                <a14:imgProps xmlns:a14="http://schemas.microsoft.com/office/drawing/2010/main">
-                  <a14:imgLayer r:embed="rId3">
-                    <a14:imgEffect>
-                      <a14:backgroundRemoval t="10417" b="94792" l="7031" r="97448">
-                        <a14:foregroundMark x1="21667" y1="24688" x2="21667" y2="24688"/>
-                        <a14:foregroundMark x1="24740" y1="25938" x2="24740" y2="25938"/>
-                        <a14:foregroundMark x1="30417" y1="26563" x2="30417" y2="26563"/>
-                        <a14:foregroundMark x1="45260" y1="23438" x2="45260" y2="23438"/>
-                        <a14:foregroundMark x1="17135" y1="25938" x2="17135" y2="25938"/>
-                        <a14:foregroundMark x1="50104" y1="28646" x2="50104" y2="28646"/>
-                        <a14:foregroundMark x1="55000" y1="28438" x2="55000" y2="28438"/>
-                        <a14:foregroundMark x1="74740" y1="25833" x2="74740" y2="25833"/>
-                        <a14:foregroundMark x1="78802" y1="26042" x2="78802" y2="26042"/>
-                        <a14:foregroundMark x1="76406" y1="37708" x2="76406" y2="37708"/>
-                        <a14:foregroundMark x1="29479" y1="35208" x2="16563" y2="35104"/>
-                        <a14:foregroundMark x1="30208" y1="68646" x2="30677" y2="45208"/>
-                        <a14:foregroundMark x1="70625" y1="56979" x2="71927" y2="36563"/>
-                        <a14:foregroundMark x1="21771" y1="44063" x2="25156" y2="44792"/>
-                        <a14:foregroundMark x1="78594" y1="45729" x2="75417" y2="70208"/>
-                        <a14:foregroundMark x1="82865" y1="68333" x2="69740" y2="50208"/>
-                        <a14:foregroundMark x1="27813" y1="71458" x2="17396" y2="38750"/>
-                      </a14:backgroundRemoval>
-                    </a14:imgEffect>
-                  </a14:imgLayer>
-                </a14:imgProps>
-              </a:ext>
-              <a:ext uri="{28A0092B-C50C-407E-A947-70E740481C1C}">
-                <a14:useLocalDpi xmlns:a14="http://schemas.microsoft.com/office/drawing/2010/main" val="0"/>
-              </a:ext>
-            </a:extLst>
-          </a:blip>
-          <a:srcRect l="10841" t="19113" r="64341" b="19931"/>
-          <a:stretch/>
-        </p:blipFill>
-        <p:spPr>
-          <a:xfrm>
-            <a:off x="1321724" y="1529542"/>
-            <a:ext cx="3025832" cy="3715789"/>
-          </a:xfrm>
-          <a:prstGeom prst="rect">
-            <a:avLst/>
-          </a:prstGeom>
-        </p:spPr>
-      </p:pic>
-      <p:pic>
-        <p:nvPicPr>
-          <p:cNvPr id="26" name="Picture 25"/>
-          <p:cNvPicPr>
-            <a:picLocks noChangeAspect="1"/>
-          </p:cNvPicPr>
-          <p:nvPr/>
-        </p:nvPicPr>
-        <p:blipFill rotWithShape="1">
-          <a:blip r:embed="rId2">
-            <a:extLst>
-              <a:ext uri="{BEBA8EAE-BF5A-486C-A8C5-ECC9F3942E4B}">
-                <a14:imgProps xmlns:a14="http://schemas.microsoft.com/office/drawing/2010/main">
-                  <a14:imgLayer r:embed="rId3">
-                    <a14:imgEffect>
-                      <a14:backgroundRemoval t="10417" b="94792" l="7031" r="97448">
-                        <a14:foregroundMark x1="21667" y1="24688" x2="21667" y2="24688"/>
-                        <a14:foregroundMark x1="24740" y1="25938" x2="24740" y2="25938"/>
-                        <a14:foregroundMark x1="30417" y1="26563" x2="30417" y2="26563"/>
-                        <a14:foregroundMark x1="45260" y1="23438" x2="45260" y2="23438"/>
-                        <a14:foregroundMark x1="17135" y1="25938" x2="17135" y2="25938"/>
-                        <a14:foregroundMark x1="50104" y1="28646" x2="50104" y2="28646"/>
-                        <a14:foregroundMark x1="55000" y1="28438" x2="55000" y2="28438"/>
-                        <a14:foregroundMark x1="74740" y1="25833" x2="74740" y2="25833"/>
-                        <a14:foregroundMark x1="78802" y1="26042" x2="78802" y2="26042"/>
-                        <a14:foregroundMark x1="76406" y1="37708" x2="76406" y2="37708"/>
-                        <a14:foregroundMark x1="29479" y1="35208" x2="16563" y2="35104"/>
-                        <a14:foregroundMark x1="30208" y1="68646" x2="30677" y2="45208"/>
-                        <a14:foregroundMark x1="70625" y1="56979" x2="71927" y2="36563"/>
-                        <a14:foregroundMark x1="21771" y1="44063" x2="25156" y2="44792"/>
-                        <a14:foregroundMark x1="78594" y1="45729" x2="75417" y2="70208"/>
-                        <a14:foregroundMark x1="82865" y1="68333" x2="69740" y2="50208"/>
-                        <a14:foregroundMark x1="27813" y1="71458" x2="17396" y2="38750"/>
-                      </a14:backgroundRemoval>
-                    </a14:imgEffect>
-                  </a14:imgLayer>
-                </a14:imgProps>
-              </a:ext>
-              <a:ext uri="{28A0092B-C50C-407E-A947-70E740481C1C}">
-                <a14:useLocalDpi xmlns:a14="http://schemas.microsoft.com/office/drawing/2010/main" val="0"/>
-              </a:ext>
-            </a:extLst>
-          </a:blip>
-          <a:srcRect l="37341" t="19750" r="38250" b="18614"/>
-          <a:stretch/>
-        </p:blipFill>
-        <p:spPr>
-          <a:xfrm>
-            <a:off x="5320146" y="3100647"/>
-            <a:ext cx="2975956" cy="3757353"/>
-          </a:xfrm>
-          <a:prstGeom prst="rect">
-            <a:avLst/>
-          </a:prstGeom>
-        </p:spPr>
-      </p:pic>
-      <p:pic>
-        <p:nvPicPr>
-          <p:cNvPr id="27" name="Picture 26"/>
-          <p:cNvPicPr>
-            <a:picLocks noChangeAspect="1"/>
-          </p:cNvPicPr>
-          <p:nvPr/>
-        </p:nvPicPr>
-        <p:blipFill rotWithShape="1">
-          <a:blip r:embed="rId2">
-            <a:extLst>
-              <a:ext uri="{BEBA8EAE-BF5A-486C-A8C5-ECC9F3942E4B}">
-                <a14:imgProps xmlns:a14="http://schemas.microsoft.com/office/drawing/2010/main">
-                  <a14:imgLayer r:embed="rId3">
-                    <a14:imgEffect>
-                      <a14:backgroundRemoval t="10417" b="94792" l="7031" r="97448">
-                        <a14:foregroundMark x1="21667" y1="24688" x2="21667" y2="24688"/>
-                        <a14:foregroundMark x1="24740" y1="25938" x2="24740" y2="25938"/>
-                        <a14:foregroundMark x1="30417" y1="26563" x2="30417" y2="26563"/>
-                        <a14:foregroundMark x1="45260" y1="23438" x2="45260" y2="23438"/>
-                        <a14:foregroundMark x1="17135" y1="25938" x2="17135" y2="25938"/>
-                        <a14:foregroundMark x1="50104" y1="28646" x2="50104" y2="28646"/>
-                        <a14:foregroundMark x1="55000" y1="28438" x2="55000" y2="28438"/>
-                        <a14:foregroundMark x1="74740" y1="25833" x2="74740" y2="25833"/>
-                        <a14:foregroundMark x1="78802" y1="26042" x2="78802" y2="26042"/>
-                        <a14:foregroundMark x1="76406" y1="37708" x2="76406" y2="37708"/>
-                        <a14:foregroundMark x1="29479" y1="35208" x2="16563" y2="35104"/>
-                        <a14:foregroundMark x1="30208" y1="68646" x2="30677" y2="45208"/>
-                        <a14:foregroundMark x1="70625" y1="56979" x2="71927" y2="36563"/>
-                        <a14:foregroundMark x1="21771" y1="44063" x2="25156" y2="44792"/>
-                        <a14:foregroundMark x1="78594" y1="45729" x2="75417" y2="70208"/>
-                        <a14:foregroundMark x1="82865" y1="68333" x2="69740" y2="50208"/>
-                        <a14:foregroundMark x1="27813" y1="71458" x2="17396" y2="38750"/>
-                      </a14:backgroundRemoval>
-                    </a14:imgEffect>
-                  </a14:imgLayer>
-                </a14:imgProps>
-              </a:ext>
-              <a:ext uri="{28A0092B-C50C-407E-A947-70E740481C1C}">
-                <a14:useLocalDpi xmlns:a14="http://schemas.microsoft.com/office/drawing/2010/main" val="0"/>
-              </a:ext>
-            </a:extLst>
-          </a:blip>
-          <a:srcRect l="63005" t="18062" r="12225" b="20699"/>
-          <a:stretch/>
-        </p:blipFill>
-        <p:spPr>
-          <a:xfrm>
-            <a:off x="8634712" y="2668004"/>
-            <a:ext cx="3020038" cy="3733102"/>
-          </a:xfrm>
-          <a:prstGeom prst="rect">
-            <a:avLst/>
-          </a:prstGeom>
-        </p:spPr>
-      </p:pic>
     </p:spTree>
     <p:extLst>
       <p:ext uri="{BB962C8B-B14F-4D97-AF65-F5344CB8AC3E}">
